--- a/ppt 16-9/0601.我信耶稣歌.pptx
+++ b/ppt 16-9/0601.我信耶稣歌.pptx
@@ -129,7 +129,7 @@
           <p:cNvPr id="2" name="标题 1">
             <a:extLst>
               <a:ext uri="{FF2B5EF4-FFF2-40B4-BE49-F238E27FC236}">
-                <a16:creationId xmlns:a16="http://schemas.microsoft.com/office/drawing/2014/main" id="{3ABE9E3D-85C4-82A7-DFDB-968B50638802}"/>
+                <a16:creationId xmlns:a16="http://schemas.microsoft.com/office/drawing/2014/main" id="{A8949B82-A36C-21AF-2FD0-2F5529594699}"/>
               </a:ext>
             </a:extLst>
           </p:cNvPr>
@@ -166,7 +166,7 @@
           <p:cNvPr id="3" name="副标题 2">
             <a:extLst>
               <a:ext uri="{FF2B5EF4-FFF2-40B4-BE49-F238E27FC236}">
-                <a16:creationId xmlns:a16="http://schemas.microsoft.com/office/drawing/2014/main" id="{6DFA01F4-5B73-CCFE-46DC-3753E0C76A0B}"/>
+                <a16:creationId xmlns:a16="http://schemas.microsoft.com/office/drawing/2014/main" id="{70AF517B-424E-F9B7-3F52-0B9833D65041}"/>
               </a:ext>
             </a:extLst>
           </p:cNvPr>
@@ -236,7 +236,7 @@
           <p:cNvPr id="4" name="日期占位符 3">
             <a:extLst>
               <a:ext uri="{FF2B5EF4-FFF2-40B4-BE49-F238E27FC236}">
-                <a16:creationId xmlns:a16="http://schemas.microsoft.com/office/drawing/2014/main" id="{AA96B791-0BD9-E7BB-3433-B95BE5889175}"/>
+                <a16:creationId xmlns:a16="http://schemas.microsoft.com/office/drawing/2014/main" id="{26CF1B24-6174-D1E2-6855-1F362A5DA5E9}"/>
               </a:ext>
             </a:extLst>
           </p:cNvPr>
@@ -252,7 +252,7 @@
           <a:bodyPr/>
           <a:lstStyle/>
           <a:p>
-            <a:fld id="{E42D3FDB-9A3A-450B-8EE7-8EAAAACB13FC}" type="datetimeFigureOut">
+            <a:fld id="{055AA46E-F03D-44A8-A737-9E8D5A7C25FE}" type="datetimeFigureOut">
               <a:rPr lang="zh-CN" altLang="en-US" smtClean="0"/>
               <a:t>2024/3/10</a:t>
             </a:fld>
@@ -265,7 +265,7 @@
           <p:cNvPr id="5" name="页脚占位符 4">
             <a:extLst>
               <a:ext uri="{FF2B5EF4-FFF2-40B4-BE49-F238E27FC236}">
-                <a16:creationId xmlns:a16="http://schemas.microsoft.com/office/drawing/2014/main" id="{9745CC40-6198-18C5-00FC-65E0A1AF8776}"/>
+                <a16:creationId xmlns:a16="http://schemas.microsoft.com/office/drawing/2014/main" id="{BB44FA71-B2E5-0062-D201-AAE44072A1AD}"/>
               </a:ext>
             </a:extLst>
           </p:cNvPr>
@@ -290,7 +290,7 @@
           <p:cNvPr id="6" name="灯片编号占位符 5">
             <a:extLst>
               <a:ext uri="{FF2B5EF4-FFF2-40B4-BE49-F238E27FC236}">
-                <a16:creationId xmlns:a16="http://schemas.microsoft.com/office/drawing/2014/main" id="{482CFE06-697B-7288-768F-834071811D4E}"/>
+                <a16:creationId xmlns:a16="http://schemas.microsoft.com/office/drawing/2014/main" id="{5412407D-8F3D-F4FB-3E77-02A5D57C28D8}"/>
               </a:ext>
             </a:extLst>
           </p:cNvPr>
@@ -306,7 +306,7 @@
           <a:bodyPr/>
           <a:lstStyle/>
           <a:p>
-            <a:fld id="{F22F1A96-1307-4063-8CA2-CA06069CD984}" type="slidenum">
+            <a:fld id="{330B5EED-94E7-402F-9A95-E503EBF2182B}" type="slidenum">
               <a:rPr lang="zh-CN" altLang="en-US" smtClean="0"/>
               <a:t>‹#›</a:t>
             </a:fld>
@@ -317,7 +317,7 @@
     </p:spTree>
     <p:extLst>
       <p:ext uri="{BB962C8B-B14F-4D97-AF65-F5344CB8AC3E}">
-        <p14:creationId xmlns:p14="http://schemas.microsoft.com/office/powerpoint/2010/main" val="17673078"/>
+        <p14:creationId xmlns:p14="http://schemas.microsoft.com/office/powerpoint/2010/main" val="1943111133"/>
       </p:ext>
     </p:extLst>
   </p:cSld>
@@ -349,7 +349,7 @@
           <p:cNvPr id="2" name="标题 1">
             <a:extLst>
               <a:ext uri="{FF2B5EF4-FFF2-40B4-BE49-F238E27FC236}">
-                <a16:creationId xmlns:a16="http://schemas.microsoft.com/office/drawing/2014/main" id="{62129798-6D89-A573-814B-BC396ADB53A8}"/>
+                <a16:creationId xmlns:a16="http://schemas.microsoft.com/office/drawing/2014/main" id="{41CAAC13-3C8F-D6B5-521A-0EDDA806E043}"/>
               </a:ext>
             </a:extLst>
           </p:cNvPr>
@@ -377,7 +377,7 @@
           <p:cNvPr id="3" name="竖排文字占位符 2">
             <a:extLst>
               <a:ext uri="{FF2B5EF4-FFF2-40B4-BE49-F238E27FC236}">
-                <a16:creationId xmlns:a16="http://schemas.microsoft.com/office/drawing/2014/main" id="{8B3C221C-0607-AFCF-4243-DA101E2E908B}"/>
+                <a16:creationId xmlns:a16="http://schemas.microsoft.com/office/drawing/2014/main" id="{C42C3A05-0EDF-C593-2CC4-21F638AEB612}"/>
               </a:ext>
             </a:extLst>
           </p:cNvPr>
@@ -434,7 +434,7 @@
           <p:cNvPr id="4" name="日期占位符 3">
             <a:extLst>
               <a:ext uri="{FF2B5EF4-FFF2-40B4-BE49-F238E27FC236}">
-                <a16:creationId xmlns:a16="http://schemas.microsoft.com/office/drawing/2014/main" id="{8857A3A2-F774-7AEA-EF31-591E96C8FF5B}"/>
+                <a16:creationId xmlns:a16="http://schemas.microsoft.com/office/drawing/2014/main" id="{6F20E5BC-284C-8E9A-8FC4-0AFC78661156}"/>
               </a:ext>
             </a:extLst>
           </p:cNvPr>
@@ -450,7 +450,7 @@
           <a:bodyPr/>
           <a:lstStyle/>
           <a:p>
-            <a:fld id="{E42D3FDB-9A3A-450B-8EE7-8EAAAACB13FC}" type="datetimeFigureOut">
+            <a:fld id="{055AA46E-F03D-44A8-A737-9E8D5A7C25FE}" type="datetimeFigureOut">
               <a:rPr lang="zh-CN" altLang="en-US" smtClean="0"/>
               <a:t>2024/3/10</a:t>
             </a:fld>
@@ -463,7 +463,7 @@
           <p:cNvPr id="5" name="页脚占位符 4">
             <a:extLst>
               <a:ext uri="{FF2B5EF4-FFF2-40B4-BE49-F238E27FC236}">
-                <a16:creationId xmlns:a16="http://schemas.microsoft.com/office/drawing/2014/main" id="{7BE00AF7-1BCE-99B2-A161-AF2F65C64F67}"/>
+                <a16:creationId xmlns:a16="http://schemas.microsoft.com/office/drawing/2014/main" id="{F0222765-41A3-D8BC-C404-D49CA5B151EA}"/>
               </a:ext>
             </a:extLst>
           </p:cNvPr>
@@ -488,7 +488,7 @@
           <p:cNvPr id="6" name="灯片编号占位符 5">
             <a:extLst>
               <a:ext uri="{FF2B5EF4-FFF2-40B4-BE49-F238E27FC236}">
-                <a16:creationId xmlns:a16="http://schemas.microsoft.com/office/drawing/2014/main" id="{D29752B4-B415-D62D-0D5B-DB1C8B9F4DC6}"/>
+                <a16:creationId xmlns:a16="http://schemas.microsoft.com/office/drawing/2014/main" id="{050C72AE-69E9-B6E8-FFAB-AD615BB1E654}"/>
               </a:ext>
             </a:extLst>
           </p:cNvPr>
@@ -504,7 +504,7 @@
           <a:bodyPr/>
           <a:lstStyle/>
           <a:p>
-            <a:fld id="{F22F1A96-1307-4063-8CA2-CA06069CD984}" type="slidenum">
+            <a:fld id="{330B5EED-94E7-402F-9A95-E503EBF2182B}" type="slidenum">
               <a:rPr lang="zh-CN" altLang="en-US" smtClean="0"/>
               <a:t>‹#›</a:t>
             </a:fld>
@@ -515,7 +515,7 @@
     </p:spTree>
     <p:extLst>
       <p:ext uri="{BB962C8B-B14F-4D97-AF65-F5344CB8AC3E}">
-        <p14:creationId xmlns:p14="http://schemas.microsoft.com/office/powerpoint/2010/main" val="3785800536"/>
+        <p14:creationId xmlns:p14="http://schemas.microsoft.com/office/powerpoint/2010/main" val="1374533200"/>
       </p:ext>
     </p:extLst>
   </p:cSld>
@@ -547,7 +547,7 @@
           <p:cNvPr id="2" name="竖排标题 1">
             <a:extLst>
               <a:ext uri="{FF2B5EF4-FFF2-40B4-BE49-F238E27FC236}">
-                <a16:creationId xmlns:a16="http://schemas.microsoft.com/office/drawing/2014/main" id="{6B41B77D-B5E1-3612-FA50-10F8D933A092}"/>
+                <a16:creationId xmlns:a16="http://schemas.microsoft.com/office/drawing/2014/main" id="{CE5C9EAF-7B13-A683-A286-4D6F4D938529}"/>
               </a:ext>
             </a:extLst>
           </p:cNvPr>
@@ -580,7 +580,7 @@
           <p:cNvPr id="3" name="竖排文字占位符 2">
             <a:extLst>
               <a:ext uri="{FF2B5EF4-FFF2-40B4-BE49-F238E27FC236}">
-                <a16:creationId xmlns:a16="http://schemas.microsoft.com/office/drawing/2014/main" id="{76389F78-D9E3-B485-F52D-E858D7ACA7BA}"/>
+                <a16:creationId xmlns:a16="http://schemas.microsoft.com/office/drawing/2014/main" id="{851E1891-7E1C-A9BF-558B-3DEB90A124BD}"/>
               </a:ext>
             </a:extLst>
           </p:cNvPr>
@@ -642,7 +642,7 @@
           <p:cNvPr id="4" name="日期占位符 3">
             <a:extLst>
               <a:ext uri="{FF2B5EF4-FFF2-40B4-BE49-F238E27FC236}">
-                <a16:creationId xmlns:a16="http://schemas.microsoft.com/office/drawing/2014/main" id="{0ABD08F5-E8CB-12E6-4B1C-700ADDD0B8AE}"/>
+                <a16:creationId xmlns:a16="http://schemas.microsoft.com/office/drawing/2014/main" id="{B5C79078-B689-E43B-9B1A-3B8CDA928E24}"/>
               </a:ext>
             </a:extLst>
           </p:cNvPr>
@@ -658,7 +658,7 @@
           <a:bodyPr/>
           <a:lstStyle/>
           <a:p>
-            <a:fld id="{E42D3FDB-9A3A-450B-8EE7-8EAAAACB13FC}" type="datetimeFigureOut">
+            <a:fld id="{055AA46E-F03D-44A8-A737-9E8D5A7C25FE}" type="datetimeFigureOut">
               <a:rPr lang="zh-CN" altLang="en-US" smtClean="0"/>
               <a:t>2024/3/10</a:t>
             </a:fld>
@@ -671,7 +671,7 @@
           <p:cNvPr id="5" name="页脚占位符 4">
             <a:extLst>
               <a:ext uri="{FF2B5EF4-FFF2-40B4-BE49-F238E27FC236}">
-                <a16:creationId xmlns:a16="http://schemas.microsoft.com/office/drawing/2014/main" id="{62017210-6C24-1976-A5B2-14C2B7861EB4}"/>
+                <a16:creationId xmlns:a16="http://schemas.microsoft.com/office/drawing/2014/main" id="{8CBB5A92-87DD-5723-384D-D84057F3A271}"/>
               </a:ext>
             </a:extLst>
           </p:cNvPr>
@@ -696,7 +696,7 @@
           <p:cNvPr id="6" name="灯片编号占位符 5">
             <a:extLst>
               <a:ext uri="{FF2B5EF4-FFF2-40B4-BE49-F238E27FC236}">
-                <a16:creationId xmlns:a16="http://schemas.microsoft.com/office/drawing/2014/main" id="{241E6BED-F79C-26DE-E988-8FFB98D9848A}"/>
+                <a16:creationId xmlns:a16="http://schemas.microsoft.com/office/drawing/2014/main" id="{7FBDB426-07CF-4344-CFE9-9C239FC6167C}"/>
               </a:ext>
             </a:extLst>
           </p:cNvPr>
@@ -712,7 +712,7 @@
           <a:bodyPr/>
           <a:lstStyle/>
           <a:p>
-            <a:fld id="{F22F1A96-1307-4063-8CA2-CA06069CD984}" type="slidenum">
+            <a:fld id="{330B5EED-94E7-402F-9A95-E503EBF2182B}" type="slidenum">
               <a:rPr lang="zh-CN" altLang="en-US" smtClean="0"/>
               <a:t>‹#›</a:t>
             </a:fld>
@@ -723,7 +723,7 @@
     </p:spTree>
     <p:extLst>
       <p:ext uri="{BB962C8B-B14F-4D97-AF65-F5344CB8AC3E}">
-        <p14:creationId xmlns:p14="http://schemas.microsoft.com/office/powerpoint/2010/main" val="3469348256"/>
+        <p14:creationId xmlns:p14="http://schemas.microsoft.com/office/powerpoint/2010/main" val="4259120933"/>
       </p:ext>
     </p:extLst>
   </p:cSld>
@@ -755,7 +755,7 @@
           <p:cNvPr id="2" name="标题 1">
             <a:extLst>
               <a:ext uri="{FF2B5EF4-FFF2-40B4-BE49-F238E27FC236}">
-                <a16:creationId xmlns:a16="http://schemas.microsoft.com/office/drawing/2014/main" id="{885EB617-7150-979A-A5AA-5A7F23366864}"/>
+                <a16:creationId xmlns:a16="http://schemas.microsoft.com/office/drawing/2014/main" id="{8AE5DDC2-4CBF-9582-F939-CB02001810A7}"/>
               </a:ext>
             </a:extLst>
           </p:cNvPr>
@@ -783,7 +783,7 @@
           <p:cNvPr id="3" name="内容占位符 2">
             <a:extLst>
               <a:ext uri="{FF2B5EF4-FFF2-40B4-BE49-F238E27FC236}">
-                <a16:creationId xmlns:a16="http://schemas.microsoft.com/office/drawing/2014/main" id="{F662DACA-0204-0E46-C4F1-89157D2A1C9E}"/>
+                <a16:creationId xmlns:a16="http://schemas.microsoft.com/office/drawing/2014/main" id="{0095834E-5299-145B-56EF-EB55C224A9E1}"/>
               </a:ext>
             </a:extLst>
           </p:cNvPr>
@@ -840,7 +840,7 @@
           <p:cNvPr id="4" name="日期占位符 3">
             <a:extLst>
               <a:ext uri="{FF2B5EF4-FFF2-40B4-BE49-F238E27FC236}">
-                <a16:creationId xmlns:a16="http://schemas.microsoft.com/office/drawing/2014/main" id="{39CE25B5-AA33-A526-B578-4A4DA749E350}"/>
+                <a16:creationId xmlns:a16="http://schemas.microsoft.com/office/drawing/2014/main" id="{F3EBF8F1-8DA7-EF4A-760F-50C8E9C6EA03}"/>
               </a:ext>
             </a:extLst>
           </p:cNvPr>
@@ -856,7 +856,7 @@
           <a:bodyPr/>
           <a:lstStyle/>
           <a:p>
-            <a:fld id="{E42D3FDB-9A3A-450B-8EE7-8EAAAACB13FC}" type="datetimeFigureOut">
+            <a:fld id="{055AA46E-F03D-44A8-A737-9E8D5A7C25FE}" type="datetimeFigureOut">
               <a:rPr lang="zh-CN" altLang="en-US" smtClean="0"/>
               <a:t>2024/3/10</a:t>
             </a:fld>
@@ -869,7 +869,7 @@
           <p:cNvPr id="5" name="页脚占位符 4">
             <a:extLst>
               <a:ext uri="{FF2B5EF4-FFF2-40B4-BE49-F238E27FC236}">
-                <a16:creationId xmlns:a16="http://schemas.microsoft.com/office/drawing/2014/main" id="{E1DB0128-32D8-980A-62B4-BAFA9E265752}"/>
+                <a16:creationId xmlns:a16="http://schemas.microsoft.com/office/drawing/2014/main" id="{AEB642B0-5777-13FD-9F61-36248292A178}"/>
               </a:ext>
             </a:extLst>
           </p:cNvPr>
@@ -894,7 +894,7 @@
           <p:cNvPr id="6" name="灯片编号占位符 5">
             <a:extLst>
               <a:ext uri="{FF2B5EF4-FFF2-40B4-BE49-F238E27FC236}">
-                <a16:creationId xmlns:a16="http://schemas.microsoft.com/office/drawing/2014/main" id="{0F14936A-8AD8-2F78-389E-BBE1EA7CF86D}"/>
+                <a16:creationId xmlns:a16="http://schemas.microsoft.com/office/drawing/2014/main" id="{1471DF65-693B-0621-FBDD-D90FE71F8636}"/>
               </a:ext>
             </a:extLst>
           </p:cNvPr>
@@ -910,7 +910,7 @@
           <a:bodyPr/>
           <a:lstStyle/>
           <a:p>
-            <a:fld id="{F22F1A96-1307-4063-8CA2-CA06069CD984}" type="slidenum">
+            <a:fld id="{330B5EED-94E7-402F-9A95-E503EBF2182B}" type="slidenum">
               <a:rPr lang="zh-CN" altLang="en-US" smtClean="0"/>
               <a:t>‹#›</a:t>
             </a:fld>
@@ -921,7 +921,7 @@
     </p:spTree>
     <p:extLst>
       <p:ext uri="{BB962C8B-B14F-4D97-AF65-F5344CB8AC3E}">
-        <p14:creationId xmlns:p14="http://schemas.microsoft.com/office/powerpoint/2010/main" val="2528416285"/>
+        <p14:creationId xmlns:p14="http://schemas.microsoft.com/office/powerpoint/2010/main" val="1142473064"/>
       </p:ext>
     </p:extLst>
   </p:cSld>
@@ -953,7 +953,7 @@
           <p:cNvPr id="2" name="标题 1">
             <a:extLst>
               <a:ext uri="{FF2B5EF4-FFF2-40B4-BE49-F238E27FC236}">
-                <a16:creationId xmlns:a16="http://schemas.microsoft.com/office/drawing/2014/main" id="{4419E800-90AE-AC5A-CE54-ABCBF76FF4DB}"/>
+                <a16:creationId xmlns:a16="http://schemas.microsoft.com/office/drawing/2014/main" id="{D0BA8803-38B4-DD06-936E-228D0730F58C}"/>
               </a:ext>
             </a:extLst>
           </p:cNvPr>
@@ -990,7 +990,7 @@
           <p:cNvPr id="3" name="文本占位符 2">
             <a:extLst>
               <a:ext uri="{FF2B5EF4-FFF2-40B4-BE49-F238E27FC236}">
-                <a16:creationId xmlns:a16="http://schemas.microsoft.com/office/drawing/2014/main" id="{25DC728F-D60E-8836-378C-D95E4A83A195}"/>
+                <a16:creationId xmlns:a16="http://schemas.microsoft.com/office/drawing/2014/main" id="{A215FC3C-A062-125C-EA5A-B9F70B3847BE}"/>
               </a:ext>
             </a:extLst>
           </p:cNvPr>
@@ -1115,7 +1115,7 @@
           <p:cNvPr id="4" name="日期占位符 3">
             <a:extLst>
               <a:ext uri="{FF2B5EF4-FFF2-40B4-BE49-F238E27FC236}">
-                <a16:creationId xmlns:a16="http://schemas.microsoft.com/office/drawing/2014/main" id="{54C274F7-CB50-10D5-24F6-EA36A463AA07}"/>
+                <a16:creationId xmlns:a16="http://schemas.microsoft.com/office/drawing/2014/main" id="{127F7FAA-225A-A981-A6D8-EB2E895AA761}"/>
               </a:ext>
             </a:extLst>
           </p:cNvPr>
@@ -1131,7 +1131,7 @@
           <a:bodyPr/>
           <a:lstStyle/>
           <a:p>
-            <a:fld id="{E42D3FDB-9A3A-450B-8EE7-8EAAAACB13FC}" type="datetimeFigureOut">
+            <a:fld id="{055AA46E-F03D-44A8-A737-9E8D5A7C25FE}" type="datetimeFigureOut">
               <a:rPr lang="zh-CN" altLang="en-US" smtClean="0"/>
               <a:t>2024/3/10</a:t>
             </a:fld>
@@ -1144,7 +1144,7 @@
           <p:cNvPr id="5" name="页脚占位符 4">
             <a:extLst>
               <a:ext uri="{FF2B5EF4-FFF2-40B4-BE49-F238E27FC236}">
-                <a16:creationId xmlns:a16="http://schemas.microsoft.com/office/drawing/2014/main" id="{DA11C6E0-4A4D-2108-CF7E-F0B54A15E985}"/>
+                <a16:creationId xmlns:a16="http://schemas.microsoft.com/office/drawing/2014/main" id="{F1AB9886-919E-EC13-407E-1FE330BB4794}"/>
               </a:ext>
             </a:extLst>
           </p:cNvPr>
@@ -1169,7 +1169,7 @@
           <p:cNvPr id="6" name="灯片编号占位符 5">
             <a:extLst>
               <a:ext uri="{FF2B5EF4-FFF2-40B4-BE49-F238E27FC236}">
-                <a16:creationId xmlns:a16="http://schemas.microsoft.com/office/drawing/2014/main" id="{2AEFD00B-82FE-C25F-EB3C-D15D6730777E}"/>
+                <a16:creationId xmlns:a16="http://schemas.microsoft.com/office/drawing/2014/main" id="{7770C58C-9994-CC66-36EB-BE5381F1585B}"/>
               </a:ext>
             </a:extLst>
           </p:cNvPr>
@@ -1185,7 +1185,7 @@
           <a:bodyPr/>
           <a:lstStyle/>
           <a:p>
-            <a:fld id="{F22F1A96-1307-4063-8CA2-CA06069CD984}" type="slidenum">
+            <a:fld id="{330B5EED-94E7-402F-9A95-E503EBF2182B}" type="slidenum">
               <a:rPr lang="zh-CN" altLang="en-US" smtClean="0"/>
               <a:t>‹#›</a:t>
             </a:fld>
@@ -1196,7 +1196,7 @@
     </p:spTree>
     <p:extLst>
       <p:ext uri="{BB962C8B-B14F-4D97-AF65-F5344CB8AC3E}">
-        <p14:creationId xmlns:p14="http://schemas.microsoft.com/office/powerpoint/2010/main" val="2635330572"/>
+        <p14:creationId xmlns:p14="http://schemas.microsoft.com/office/powerpoint/2010/main" val="3738602317"/>
       </p:ext>
     </p:extLst>
   </p:cSld>
@@ -1228,7 +1228,7 @@
           <p:cNvPr id="2" name="标题 1">
             <a:extLst>
               <a:ext uri="{FF2B5EF4-FFF2-40B4-BE49-F238E27FC236}">
-                <a16:creationId xmlns:a16="http://schemas.microsoft.com/office/drawing/2014/main" id="{6BCADC4F-ECA1-A983-EB34-0A53B1983672}"/>
+                <a16:creationId xmlns:a16="http://schemas.microsoft.com/office/drawing/2014/main" id="{B58CF214-964D-7521-F839-C7A34C758569}"/>
               </a:ext>
             </a:extLst>
           </p:cNvPr>
@@ -1256,7 +1256,7 @@
           <p:cNvPr id="3" name="内容占位符 2">
             <a:extLst>
               <a:ext uri="{FF2B5EF4-FFF2-40B4-BE49-F238E27FC236}">
-                <a16:creationId xmlns:a16="http://schemas.microsoft.com/office/drawing/2014/main" id="{192DA0F7-5F19-1D5F-773E-DBE8ACFF3D67}"/>
+                <a16:creationId xmlns:a16="http://schemas.microsoft.com/office/drawing/2014/main" id="{782F522D-B63B-3D96-5498-47082942C6CF}"/>
               </a:ext>
             </a:extLst>
           </p:cNvPr>
@@ -1318,7 +1318,7 @@
           <p:cNvPr id="4" name="内容占位符 3">
             <a:extLst>
               <a:ext uri="{FF2B5EF4-FFF2-40B4-BE49-F238E27FC236}">
-                <a16:creationId xmlns:a16="http://schemas.microsoft.com/office/drawing/2014/main" id="{881EBBE4-5C34-652E-BDE2-BFBD438A6C3A}"/>
+                <a16:creationId xmlns:a16="http://schemas.microsoft.com/office/drawing/2014/main" id="{5BA5257A-DC0B-D5CE-2D2A-7357D323A474}"/>
               </a:ext>
             </a:extLst>
           </p:cNvPr>
@@ -1380,7 +1380,7 @@
           <p:cNvPr id="5" name="日期占位符 4">
             <a:extLst>
               <a:ext uri="{FF2B5EF4-FFF2-40B4-BE49-F238E27FC236}">
-                <a16:creationId xmlns:a16="http://schemas.microsoft.com/office/drawing/2014/main" id="{342EA0FC-EB80-E790-9C49-605F0E0B19CE}"/>
+                <a16:creationId xmlns:a16="http://schemas.microsoft.com/office/drawing/2014/main" id="{2D4A0BA4-8409-48F3-6543-D54CE7F27E0B}"/>
               </a:ext>
             </a:extLst>
           </p:cNvPr>
@@ -1396,7 +1396,7 @@
           <a:bodyPr/>
           <a:lstStyle/>
           <a:p>
-            <a:fld id="{E42D3FDB-9A3A-450B-8EE7-8EAAAACB13FC}" type="datetimeFigureOut">
+            <a:fld id="{055AA46E-F03D-44A8-A737-9E8D5A7C25FE}" type="datetimeFigureOut">
               <a:rPr lang="zh-CN" altLang="en-US" smtClean="0"/>
               <a:t>2024/3/10</a:t>
             </a:fld>
@@ -1409,7 +1409,7 @@
           <p:cNvPr id="6" name="页脚占位符 5">
             <a:extLst>
               <a:ext uri="{FF2B5EF4-FFF2-40B4-BE49-F238E27FC236}">
-                <a16:creationId xmlns:a16="http://schemas.microsoft.com/office/drawing/2014/main" id="{0010B61E-3B27-B276-6AEB-2976F5E1A3C8}"/>
+                <a16:creationId xmlns:a16="http://schemas.microsoft.com/office/drawing/2014/main" id="{CCD0342F-140C-49BC-CFE3-F2CEC6485659}"/>
               </a:ext>
             </a:extLst>
           </p:cNvPr>
@@ -1434,7 +1434,7 @@
           <p:cNvPr id="7" name="灯片编号占位符 6">
             <a:extLst>
               <a:ext uri="{FF2B5EF4-FFF2-40B4-BE49-F238E27FC236}">
-                <a16:creationId xmlns:a16="http://schemas.microsoft.com/office/drawing/2014/main" id="{96908481-3FDA-EDDE-5D81-2E00AA2170E3}"/>
+                <a16:creationId xmlns:a16="http://schemas.microsoft.com/office/drawing/2014/main" id="{4B50BC8D-3A64-810A-368B-55C2FFA254A2}"/>
               </a:ext>
             </a:extLst>
           </p:cNvPr>
@@ -1450,7 +1450,7 @@
           <a:bodyPr/>
           <a:lstStyle/>
           <a:p>
-            <a:fld id="{F22F1A96-1307-4063-8CA2-CA06069CD984}" type="slidenum">
+            <a:fld id="{330B5EED-94E7-402F-9A95-E503EBF2182B}" type="slidenum">
               <a:rPr lang="zh-CN" altLang="en-US" smtClean="0"/>
               <a:t>‹#›</a:t>
             </a:fld>
@@ -1461,7 +1461,7 @@
     </p:spTree>
     <p:extLst>
       <p:ext uri="{BB962C8B-B14F-4D97-AF65-F5344CB8AC3E}">
-        <p14:creationId xmlns:p14="http://schemas.microsoft.com/office/powerpoint/2010/main" val="3054460574"/>
+        <p14:creationId xmlns:p14="http://schemas.microsoft.com/office/powerpoint/2010/main" val="2584146007"/>
       </p:ext>
     </p:extLst>
   </p:cSld>
@@ -1493,7 +1493,7 @@
           <p:cNvPr id="2" name="标题 1">
             <a:extLst>
               <a:ext uri="{FF2B5EF4-FFF2-40B4-BE49-F238E27FC236}">
-                <a16:creationId xmlns:a16="http://schemas.microsoft.com/office/drawing/2014/main" id="{75D1C58B-4137-871B-256B-BB109720BDC0}"/>
+                <a16:creationId xmlns:a16="http://schemas.microsoft.com/office/drawing/2014/main" id="{4B4229A9-2945-69CE-9167-53530CC623D8}"/>
               </a:ext>
             </a:extLst>
           </p:cNvPr>
@@ -1526,7 +1526,7 @@
           <p:cNvPr id="3" name="文本占位符 2">
             <a:extLst>
               <a:ext uri="{FF2B5EF4-FFF2-40B4-BE49-F238E27FC236}">
-                <a16:creationId xmlns:a16="http://schemas.microsoft.com/office/drawing/2014/main" id="{6776E281-4F3D-153C-563C-3A42ED59575D}"/>
+                <a16:creationId xmlns:a16="http://schemas.microsoft.com/office/drawing/2014/main" id="{96D56D9A-3754-A8E8-14ED-26250F59D327}"/>
               </a:ext>
             </a:extLst>
           </p:cNvPr>
@@ -1597,7 +1597,7 @@
           <p:cNvPr id="4" name="内容占位符 3">
             <a:extLst>
               <a:ext uri="{FF2B5EF4-FFF2-40B4-BE49-F238E27FC236}">
-                <a16:creationId xmlns:a16="http://schemas.microsoft.com/office/drawing/2014/main" id="{A38AB585-22FB-FA6F-3EF5-D3FBF3D6BA52}"/>
+                <a16:creationId xmlns:a16="http://schemas.microsoft.com/office/drawing/2014/main" id="{593C1638-84B7-9F9D-A700-7B57C5E809D4}"/>
               </a:ext>
             </a:extLst>
           </p:cNvPr>
@@ -1659,7 +1659,7 @@
           <p:cNvPr id="5" name="文本占位符 4">
             <a:extLst>
               <a:ext uri="{FF2B5EF4-FFF2-40B4-BE49-F238E27FC236}">
-                <a16:creationId xmlns:a16="http://schemas.microsoft.com/office/drawing/2014/main" id="{C33FD362-598F-B6F2-C8D6-09E29BE99F8F}"/>
+                <a16:creationId xmlns:a16="http://schemas.microsoft.com/office/drawing/2014/main" id="{41B3B8E9-6076-7FC8-2F0E-2A1CA3C65278}"/>
               </a:ext>
             </a:extLst>
           </p:cNvPr>
@@ -1730,7 +1730,7 @@
           <p:cNvPr id="6" name="内容占位符 5">
             <a:extLst>
               <a:ext uri="{FF2B5EF4-FFF2-40B4-BE49-F238E27FC236}">
-                <a16:creationId xmlns:a16="http://schemas.microsoft.com/office/drawing/2014/main" id="{6C2114D2-1896-BC7A-F301-70BD3DBA4438}"/>
+                <a16:creationId xmlns:a16="http://schemas.microsoft.com/office/drawing/2014/main" id="{F750565C-C480-B43C-6828-D28B6045E174}"/>
               </a:ext>
             </a:extLst>
           </p:cNvPr>
@@ -1792,7 +1792,7 @@
           <p:cNvPr id="7" name="日期占位符 6">
             <a:extLst>
               <a:ext uri="{FF2B5EF4-FFF2-40B4-BE49-F238E27FC236}">
-                <a16:creationId xmlns:a16="http://schemas.microsoft.com/office/drawing/2014/main" id="{FE55F826-256D-3007-FFE1-E8EAA4282296}"/>
+                <a16:creationId xmlns:a16="http://schemas.microsoft.com/office/drawing/2014/main" id="{292CC5C1-AD67-A291-9716-4EDC356406D9}"/>
               </a:ext>
             </a:extLst>
           </p:cNvPr>
@@ -1808,7 +1808,7 @@
           <a:bodyPr/>
           <a:lstStyle/>
           <a:p>
-            <a:fld id="{E42D3FDB-9A3A-450B-8EE7-8EAAAACB13FC}" type="datetimeFigureOut">
+            <a:fld id="{055AA46E-F03D-44A8-A737-9E8D5A7C25FE}" type="datetimeFigureOut">
               <a:rPr lang="zh-CN" altLang="en-US" smtClean="0"/>
               <a:t>2024/3/10</a:t>
             </a:fld>
@@ -1821,7 +1821,7 @@
           <p:cNvPr id="8" name="页脚占位符 7">
             <a:extLst>
               <a:ext uri="{FF2B5EF4-FFF2-40B4-BE49-F238E27FC236}">
-                <a16:creationId xmlns:a16="http://schemas.microsoft.com/office/drawing/2014/main" id="{9856CBBE-3154-60C7-50C5-AEF2E6881B2B}"/>
+                <a16:creationId xmlns:a16="http://schemas.microsoft.com/office/drawing/2014/main" id="{0EC61F5F-847F-25A8-3F38-5CDF46EDE4D8}"/>
               </a:ext>
             </a:extLst>
           </p:cNvPr>
@@ -1846,7 +1846,7 @@
           <p:cNvPr id="9" name="灯片编号占位符 8">
             <a:extLst>
               <a:ext uri="{FF2B5EF4-FFF2-40B4-BE49-F238E27FC236}">
-                <a16:creationId xmlns:a16="http://schemas.microsoft.com/office/drawing/2014/main" id="{84FDFD34-1AC1-6792-114B-F595C76EA236}"/>
+                <a16:creationId xmlns:a16="http://schemas.microsoft.com/office/drawing/2014/main" id="{C9C195F2-40BA-10DE-0404-35F6F60143BC}"/>
               </a:ext>
             </a:extLst>
           </p:cNvPr>
@@ -1862,7 +1862,7 @@
           <a:bodyPr/>
           <a:lstStyle/>
           <a:p>
-            <a:fld id="{F22F1A96-1307-4063-8CA2-CA06069CD984}" type="slidenum">
+            <a:fld id="{330B5EED-94E7-402F-9A95-E503EBF2182B}" type="slidenum">
               <a:rPr lang="zh-CN" altLang="en-US" smtClean="0"/>
               <a:t>‹#›</a:t>
             </a:fld>
@@ -1873,7 +1873,7 @@
     </p:spTree>
     <p:extLst>
       <p:ext uri="{BB962C8B-B14F-4D97-AF65-F5344CB8AC3E}">
-        <p14:creationId xmlns:p14="http://schemas.microsoft.com/office/powerpoint/2010/main" val="4162607970"/>
+        <p14:creationId xmlns:p14="http://schemas.microsoft.com/office/powerpoint/2010/main" val="1389020640"/>
       </p:ext>
     </p:extLst>
   </p:cSld>
@@ -1905,7 +1905,7 @@
           <p:cNvPr id="2" name="标题 1">
             <a:extLst>
               <a:ext uri="{FF2B5EF4-FFF2-40B4-BE49-F238E27FC236}">
-                <a16:creationId xmlns:a16="http://schemas.microsoft.com/office/drawing/2014/main" id="{62D7B3B2-0E56-006B-E50D-2F1006060E1B}"/>
+                <a16:creationId xmlns:a16="http://schemas.microsoft.com/office/drawing/2014/main" id="{21DC5019-20B7-D2E0-5058-E941F7926D33}"/>
               </a:ext>
             </a:extLst>
           </p:cNvPr>
@@ -1933,7 +1933,7 @@
           <p:cNvPr id="3" name="日期占位符 2">
             <a:extLst>
               <a:ext uri="{FF2B5EF4-FFF2-40B4-BE49-F238E27FC236}">
-                <a16:creationId xmlns:a16="http://schemas.microsoft.com/office/drawing/2014/main" id="{45380B90-8F24-0D75-0D1E-F7216BE92D68}"/>
+                <a16:creationId xmlns:a16="http://schemas.microsoft.com/office/drawing/2014/main" id="{D69D73A1-2A49-B3A1-7F3E-032E0207B742}"/>
               </a:ext>
             </a:extLst>
           </p:cNvPr>
@@ -1949,7 +1949,7 @@
           <a:bodyPr/>
           <a:lstStyle/>
           <a:p>
-            <a:fld id="{E42D3FDB-9A3A-450B-8EE7-8EAAAACB13FC}" type="datetimeFigureOut">
+            <a:fld id="{055AA46E-F03D-44A8-A737-9E8D5A7C25FE}" type="datetimeFigureOut">
               <a:rPr lang="zh-CN" altLang="en-US" smtClean="0"/>
               <a:t>2024/3/10</a:t>
             </a:fld>
@@ -1962,7 +1962,7 @@
           <p:cNvPr id="4" name="页脚占位符 3">
             <a:extLst>
               <a:ext uri="{FF2B5EF4-FFF2-40B4-BE49-F238E27FC236}">
-                <a16:creationId xmlns:a16="http://schemas.microsoft.com/office/drawing/2014/main" id="{2C4E0863-80C3-5357-2B01-9C8D5CF30CAC}"/>
+                <a16:creationId xmlns:a16="http://schemas.microsoft.com/office/drawing/2014/main" id="{DF731234-0935-8E94-6159-A1CB92290CBC}"/>
               </a:ext>
             </a:extLst>
           </p:cNvPr>
@@ -1987,7 +1987,7 @@
           <p:cNvPr id="5" name="灯片编号占位符 4">
             <a:extLst>
               <a:ext uri="{FF2B5EF4-FFF2-40B4-BE49-F238E27FC236}">
-                <a16:creationId xmlns:a16="http://schemas.microsoft.com/office/drawing/2014/main" id="{63E607D1-B780-59B9-F0B3-DE586ACC620B}"/>
+                <a16:creationId xmlns:a16="http://schemas.microsoft.com/office/drawing/2014/main" id="{794431E9-BC1B-5D65-3AFD-4ED06AF94EFB}"/>
               </a:ext>
             </a:extLst>
           </p:cNvPr>
@@ -2003,7 +2003,7 @@
           <a:bodyPr/>
           <a:lstStyle/>
           <a:p>
-            <a:fld id="{F22F1A96-1307-4063-8CA2-CA06069CD984}" type="slidenum">
+            <a:fld id="{330B5EED-94E7-402F-9A95-E503EBF2182B}" type="slidenum">
               <a:rPr lang="zh-CN" altLang="en-US" smtClean="0"/>
               <a:t>‹#›</a:t>
             </a:fld>
@@ -2014,7 +2014,7 @@
     </p:spTree>
     <p:extLst>
       <p:ext uri="{BB962C8B-B14F-4D97-AF65-F5344CB8AC3E}">
-        <p14:creationId xmlns:p14="http://schemas.microsoft.com/office/powerpoint/2010/main" val="4086773744"/>
+        <p14:creationId xmlns:p14="http://schemas.microsoft.com/office/powerpoint/2010/main" val="2449703924"/>
       </p:ext>
     </p:extLst>
   </p:cSld>
@@ -2046,7 +2046,7 @@
           <p:cNvPr id="2" name="日期占位符 1">
             <a:extLst>
               <a:ext uri="{FF2B5EF4-FFF2-40B4-BE49-F238E27FC236}">
-                <a16:creationId xmlns:a16="http://schemas.microsoft.com/office/drawing/2014/main" id="{3AA07B8D-E7B4-43A0-FE70-4BB0C9598F20}"/>
+                <a16:creationId xmlns:a16="http://schemas.microsoft.com/office/drawing/2014/main" id="{370F806C-87C6-728E-8E77-0FBF61791D9D}"/>
               </a:ext>
             </a:extLst>
           </p:cNvPr>
@@ -2062,7 +2062,7 @@
           <a:bodyPr/>
           <a:lstStyle/>
           <a:p>
-            <a:fld id="{E42D3FDB-9A3A-450B-8EE7-8EAAAACB13FC}" type="datetimeFigureOut">
+            <a:fld id="{055AA46E-F03D-44A8-A737-9E8D5A7C25FE}" type="datetimeFigureOut">
               <a:rPr lang="zh-CN" altLang="en-US" smtClean="0"/>
               <a:t>2024/3/10</a:t>
             </a:fld>
@@ -2075,7 +2075,7 @@
           <p:cNvPr id="3" name="页脚占位符 2">
             <a:extLst>
               <a:ext uri="{FF2B5EF4-FFF2-40B4-BE49-F238E27FC236}">
-                <a16:creationId xmlns:a16="http://schemas.microsoft.com/office/drawing/2014/main" id="{04E15476-740C-19C0-4F2B-14C458908455}"/>
+                <a16:creationId xmlns:a16="http://schemas.microsoft.com/office/drawing/2014/main" id="{302B190C-CD9A-A1A5-62DC-8D4986A11BDA}"/>
               </a:ext>
             </a:extLst>
           </p:cNvPr>
@@ -2100,7 +2100,7 @@
           <p:cNvPr id="4" name="灯片编号占位符 3">
             <a:extLst>
               <a:ext uri="{FF2B5EF4-FFF2-40B4-BE49-F238E27FC236}">
-                <a16:creationId xmlns:a16="http://schemas.microsoft.com/office/drawing/2014/main" id="{C14D3CC8-05A0-C4E6-3326-B8B3FECCF596}"/>
+                <a16:creationId xmlns:a16="http://schemas.microsoft.com/office/drawing/2014/main" id="{C1772C99-46CD-027A-B5FB-FA74392BF4D6}"/>
               </a:ext>
             </a:extLst>
           </p:cNvPr>
@@ -2116,7 +2116,7 @@
           <a:bodyPr/>
           <a:lstStyle/>
           <a:p>
-            <a:fld id="{F22F1A96-1307-4063-8CA2-CA06069CD984}" type="slidenum">
+            <a:fld id="{330B5EED-94E7-402F-9A95-E503EBF2182B}" type="slidenum">
               <a:rPr lang="zh-CN" altLang="en-US" smtClean="0"/>
               <a:t>‹#›</a:t>
             </a:fld>
@@ -2127,7 +2127,7 @@
     </p:spTree>
     <p:extLst>
       <p:ext uri="{BB962C8B-B14F-4D97-AF65-F5344CB8AC3E}">
-        <p14:creationId xmlns:p14="http://schemas.microsoft.com/office/powerpoint/2010/main" val="739036928"/>
+        <p14:creationId xmlns:p14="http://schemas.microsoft.com/office/powerpoint/2010/main" val="597592585"/>
       </p:ext>
     </p:extLst>
   </p:cSld>
@@ -2159,7 +2159,7 @@
           <p:cNvPr id="2" name="标题 1">
             <a:extLst>
               <a:ext uri="{FF2B5EF4-FFF2-40B4-BE49-F238E27FC236}">
-                <a16:creationId xmlns:a16="http://schemas.microsoft.com/office/drawing/2014/main" id="{C855DC58-17B8-409D-EA14-609F4107578B}"/>
+                <a16:creationId xmlns:a16="http://schemas.microsoft.com/office/drawing/2014/main" id="{B889C953-00A4-5866-224B-8C3C6F551801}"/>
               </a:ext>
             </a:extLst>
           </p:cNvPr>
@@ -2196,7 +2196,7 @@
           <p:cNvPr id="3" name="内容占位符 2">
             <a:extLst>
               <a:ext uri="{FF2B5EF4-FFF2-40B4-BE49-F238E27FC236}">
-                <a16:creationId xmlns:a16="http://schemas.microsoft.com/office/drawing/2014/main" id="{80BA5523-EB6A-D019-81F4-2869E65570EF}"/>
+                <a16:creationId xmlns:a16="http://schemas.microsoft.com/office/drawing/2014/main" id="{29FD043E-FD76-FF76-2F75-1B0C763BA7F9}"/>
               </a:ext>
             </a:extLst>
           </p:cNvPr>
@@ -2286,7 +2286,7 @@
           <p:cNvPr id="4" name="文本占位符 3">
             <a:extLst>
               <a:ext uri="{FF2B5EF4-FFF2-40B4-BE49-F238E27FC236}">
-                <a16:creationId xmlns:a16="http://schemas.microsoft.com/office/drawing/2014/main" id="{69AAF1BC-6EA3-D120-E952-F40B97DA8D4E}"/>
+                <a16:creationId xmlns:a16="http://schemas.microsoft.com/office/drawing/2014/main" id="{E867518D-4F22-9584-540A-D8378848EED3}"/>
               </a:ext>
             </a:extLst>
           </p:cNvPr>
@@ -2357,7 +2357,7 @@
           <p:cNvPr id="5" name="日期占位符 4">
             <a:extLst>
               <a:ext uri="{FF2B5EF4-FFF2-40B4-BE49-F238E27FC236}">
-                <a16:creationId xmlns:a16="http://schemas.microsoft.com/office/drawing/2014/main" id="{16E1819D-EEA9-06D3-4E8F-4272C4A10EE9}"/>
+                <a16:creationId xmlns:a16="http://schemas.microsoft.com/office/drawing/2014/main" id="{6D90A6E7-B6C5-4778-5B65-8D78B39EA7B9}"/>
               </a:ext>
             </a:extLst>
           </p:cNvPr>
@@ -2373,7 +2373,7 @@
           <a:bodyPr/>
           <a:lstStyle/>
           <a:p>
-            <a:fld id="{E42D3FDB-9A3A-450B-8EE7-8EAAAACB13FC}" type="datetimeFigureOut">
+            <a:fld id="{055AA46E-F03D-44A8-A737-9E8D5A7C25FE}" type="datetimeFigureOut">
               <a:rPr lang="zh-CN" altLang="en-US" smtClean="0"/>
               <a:t>2024/3/10</a:t>
             </a:fld>
@@ -2386,7 +2386,7 @@
           <p:cNvPr id="6" name="页脚占位符 5">
             <a:extLst>
               <a:ext uri="{FF2B5EF4-FFF2-40B4-BE49-F238E27FC236}">
-                <a16:creationId xmlns:a16="http://schemas.microsoft.com/office/drawing/2014/main" id="{405EB88B-28EC-27D7-A0BD-B1AAFA00A051}"/>
+                <a16:creationId xmlns:a16="http://schemas.microsoft.com/office/drawing/2014/main" id="{8C67F3D1-CDDC-8E02-2FD2-35C3408B2A6F}"/>
               </a:ext>
             </a:extLst>
           </p:cNvPr>
@@ -2411,7 +2411,7 @@
           <p:cNvPr id="7" name="灯片编号占位符 6">
             <a:extLst>
               <a:ext uri="{FF2B5EF4-FFF2-40B4-BE49-F238E27FC236}">
-                <a16:creationId xmlns:a16="http://schemas.microsoft.com/office/drawing/2014/main" id="{E7FECEDC-3F92-2CDF-9EC0-F37CB99680AE}"/>
+                <a16:creationId xmlns:a16="http://schemas.microsoft.com/office/drawing/2014/main" id="{87775C2C-2D3D-99D7-A57A-55C980F2EEC2}"/>
               </a:ext>
             </a:extLst>
           </p:cNvPr>
@@ -2427,7 +2427,7 @@
           <a:bodyPr/>
           <a:lstStyle/>
           <a:p>
-            <a:fld id="{F22F1A96-1307-4063-8CA2-CA06069CD984}" type="slidenum">
+            <a:fld id="{330B5EED-94E7-402F-9A95-E503EBF2182B}" type="slidenum">
               <a:rPr lang="zh-CN" altLang="en-US" smtClean="0"/>
               <a:t>‹#›</a:t>
             </a:fld>
@@ -2438,7 +2438,7 @@
     </p:spTree>
     <p:extLst>
       <p:ext uri="{BB962C8B-B14F-4D97-AF65-F5344CB8AC3E}">
-        <p14:creationId xmlns:p14="http://schemas.microsoft.com/office/powerpoint/2010/main" val="3915975904"/>
+        <p14:creationId xmlns:p14="http://schemas.microsoft.com/office/powerpoint/2010/main" val="891686981"/>
       </p:ext>
     </p:extLst>
   </p:cSld>
@@ -2470,7 +2470,7 @@
           <p:cNvPr id="2" name="标题 1">
             <a:extLst>
               <a:ext uri="{FF2B5EF4-FFF2-40B4-BE49-F238E27FC236}">
-                <a16:creationId xmlns:a16="http://schemas.microsoft.com/office/drawing/2014/main" id="{BB5AA798-E8D6-0663-BFD5-21AFEDA05814}"/>
+                <a16:creationId xmlns:a16="http://schemas.microsoft.com/office/drawing/2014/main" id="{E48DF3B7-9667-0031-9006-E0EB2F20C2BA}"/>
               </a:ext>
             </a:extLst>
           </p:cNvPr>
@@ -2507,7 +2507,7 @@
           <p:cNvPr id="3" name="图片占位符 2">
             <a:extLst>
               <a:ext uri="{FF2B5EF4-FFF2-40B4-BE49-F238E27FC236}">
-                <a16:creationId xmlns:a16="http://schemas.microsoft.com/office/drawing/2014/main" id="{3EF95A69-CC3C-3B6A-A341-F345D235CCCF}"/>
+                <a16:creationId xmlns:a16="http://schemas.microsoft.com/office/drawing/2014/main" id="{92DF729C-B4B2-9FBB-39C5-482CA6DFA004}"/>
               </a:ext>
             </a:extLst>
           </p:cNvPr>
@@ -2574,7 +2574,7 @@
           <p:cNvPr id="4" name="文本占位符 3">
             <a:extLst>
               <a:ext uri="{FF2B5EF4-FFF2-40B4-BE49-F238E27FC236}">
-                <a16:creationId xmlns:a16="http://schemas.microsoft.com/office/drawing/2014/main" id="{88E01FCF-A021-7093-5C17-541A4CAA1047}"/>
+                <a16:creationId xmlns:a16="http://schemas.microsoft.com/office/drawing/2014/main" id="{27A49754-2068-13FB-E697-AAD0E46019C5}"/>
               </a:ext>
             </a:extLst>
           </p:cNvPr>
@@ -2645,7 +2645,7 @@
           <p:cNvPr id="5" name="日期占位符 4">
             <a:extLst>
               <a:ext uri="{FF2B5EF4-FFF2-40B4-BE49-F238E27FC236}">
-                <a16:creationId xmlns:a16="http://schemas.microsoft.com/office/drawing/2014/main" id="{492AC7BC-2D74-35D4-497B-1C919B48CD6D}"/>
+                <a16:creationId xmlns:a16="http://schemas.microsoft.com/office/drawing/2014/main" id="{8D4021B1-D201-B7D2-F927-6CCA1F6AF5D1}"/>
               </a:ext>
             </a:extLst>
           </p:cNvPr>
@@ -2661,7 +2661,7 @@
           <a:bodyPr/>
           <a:lstStyle/>
           <a:p>
-            <a:fld id="{E42D3FDB-9A3A-450B-8EE7-8EAAAACB13FC}" type="datetimeFigureOut">
+            <a:fld id="{055AA46E-F03D-44A8-A737-9E8D5A7C25FE}" type="datetimeFigureOut">
               <a:rPr lang="zh-CN" altLang="en-US" smtClean="0"/>
               <a:t>2024/3/10</a:t>
             </a:fld>
@@ -2674,7 +2674,7 @@
           <p:cNvPr id="6" name="页脚占位符 5">
             <a:extLst>
               <a:ext uri="{FF2B5EF4-FFF2-40B4-BE49-F238E27FC236}">
-                <a16:creationId xmlns:a16="http://schemas.microsoft.com/office/drawing/2014/main" id="{71107C88-1CBF-87D1-6A94-5238470E8581}"/>
+                <a16:creationId xmlns:a16="http://schemas.microsoft.com/office/drawing/2014/main" id="{866FC2F5-8426-E8CA-FDF8-5F14973F5512}"/>
               </a:ext>
             </a:extLst>
           </p:cNvPr>
@@ -2699,7 +2699,7 @@
           <p:cNvPr id="7" name="灯片编号占位符 6">
             <a:extLst>
               <a:ext uri="{FF2B5EF4-FFF2-40B4-BE49-F238E27FC236}">
-                <a16:creationId xmlns:a16="http://schemas.microsoft.com/office/drawing/2014/main" id="{D32DD476-D5A5-1981-CD94-B8DCD313E326}"/>
+                <a16:creationId xmlns:a16="http://schemas.microsoft.com/office/drawing/2014/main" id="{6E556B02-228A-9CD3-B090-F97B05F6175C}"/>
               </a:ext>
             </a:extLst>
           </p:cNvPr>
@@ -2715,7 +2715,7 @@
           <a:bodyPr/>
           <a:lstStyle/>
           <a:p>
-            <a:fld id="{F22F1A96-1307-4063-8CA2-CA06069CD984}" type="slidenum">
+            <a:fld id="{330B5EED-94E7-402F-9A95-E503EBF2182B}" type="slidenum">
               <a:rPr lang="zh-CN" altLang="en-US" smtClean="0"/>
               <a:t>‹#›</a:t>
             </a:fld>
@@ -2726,7 +2726,7 @@
     </p:spTree>
     <p:extLst>
       <p:ext uri="{BB962C8B-B14F-4D97-AF65-F5344CB8AC3E}">
-        <p14:creationId xmlns:p14="http://schemas.microsoft.com/office/powerpoint/2010/main" val="2791731868"/>
+        <p14:creationId xmlns:p14="http://schemas.microsoft.com/office/powerpoint/2010/main" val="2274036663"/>
       </p:ext>
     </p:extLst>
   </p:cSld>
@@ -2763,7 +2763,7 @@
           <p:cNvPr id="2" name="标题占位符 1">
             <a:extLst>
               <a:ext uri="{FF2B5EF4-FFF2-40B4-BE49-F238E27FC236}">
-                <a16:creationId xmlns:a16="http://schemas.microsoft.com/office/drawing/2014/main" id="{EE336C1B-01D1-24B1-3627-A41499B21F28}"/>
+                <a16:creationId xmlns:a16="http://schemas.microsoft.com/office/drawing/2014/main" id="{3527E9AC-B70B-FF5A-B89F-37B58653A493}"/>
               </a:ext>
             </a:extLst>
           </p:cNvPr>
@@ -2801,7 +2801,7 @@
           <p:cNvPr id="3" name="文本占位符 2">
             <a:extLst>
               <a:ext uri="{FF2B5EF4-FFF2-40B4-BE49-F238E27FC236}">
-                <a16:creationId xmlns:a16="http://schemas.microsoft.com/office/drawing/2014/main" id="{CF30D11F-5266-1B10-4223-627217BA8122}"/>
+                <a16:creationId xmlns:a16="http://schemas.microsoft.com/office/drawing/2014/main" id="{DEAC49A9-4725-6426-6624-87C4867E4762}"/>
               </a:ext>
             </a:extLst>
           </p:cNvPr>
@@ -2868,7 +2868,7 @@
           <p:cNvPr id="4" name="日期占位符 3">
             <a:extLst>
               <a:ext uri="{FF2B5EF4-FFF2-40B4-BE49-F238E27FC236}">
-                <a16:creationId xmlns:a16="http://schemas.microsoft.com/office/drawing/2014/main" id="{AD1C3D13-384A-53DA-7EA3-02156FBEC3D7}"/>
+                <a16:creationId xmlns:a16="http://schemas.microsoft.com/office/drawing/2014/main" id="{4BA8BB9B-3141-D7B8-0B26-9BC7AF03953D}"/>
               </a:ext>
             </a:extLst>
           </p:cNvPr>
@@ -2902,7 +2902,7 @@
             </a:lvl1pPr>
           </a:lstStyle>
           <a:p>
-            <a:fld id="{E42D3FDB-9A3A-450B-8EE7-8EAAAACB13FC}" type="datetimeFigureOut">
+            <a:fld id="{055AA46E-F03D-44A8-A737-9E8D5A7C25FE}" type="datetimeFigureOut">
               <a:rPr lang="zh-CN" altLang="en-US" smtClean="0"/>
               <a:t>2024/3/10</a:t>
             </a:fld>
@@ -2915,7 +2915,7 @@
           <p:cNvPr id="5" name="页脚占位符 4">
             <a:extLst>
               <a:ext uri="{FF2B5EF4-FFF2-40B4-BE49-F238E27FC236}">
-                <a16:creationId xmlns:a16="http://schemas.microsoft.com/office/drawing/2014/main" id="{E7DB05C3-6E94-1596-7C8B-AF3478067BE8}"/>
+                <a16:creationId xmlns:a16="http://schemas.microsoft.com/office/drawing/2014/main" id="{2B740A8E-6894-D17D-26A2-1E22C5F005D5}"/>
               </a:ext>
             </a:extLst>
           </p:cNvPr>
@@ -2958,7 +2958,7 @@
           <p:cNvPr id="6" name="灯片编号占位符 5">
             <a:extLst>
               <a:ext uri="{FF2B5EF4-FFF2-40B4-BE49-F238E27FC236}">
-                <a16:creationId xmlns:a16="http://schemas.microsoft.com/office/drawing/2014/main" id="{477A9320-BBC6-53FA-96E2-5C5412A7A3E3}"/>
+                <a16:creationId xmlns:a16="http://schemas.microsoft.com/office/drawing/2014/main" id="{1755CBCA-22EB-44CD-7ECC-B12D7868E13B}"/>
               </a:ext>
             </a:extLst>
           </p:cNvPr>
@@ -2992,7 +2992,7 @@
             </a:lvl1pPr>
           </a:lstStyle>
           <a:p>
-            <a:fld id="{F22F1A96-1307-4063-8CA2-CA06069CD984}" type="slidenum">
+            <a:fld id="{330B5EED-94E7-402F-9A95-E503EBF2182B}" type="slidenum">
               <a:rPr lang="zh-CN" altLang="en-US" smtClean="0"/>
               <a:t>‹#›</a:t>
             </a:fld>
@@ -3003,7 +3003,7 @@
     </p:spTree>
     <p:extLst>
       <p:ext uri="{BB962C8B-B14F-4D97-AF65-F5344CB8AC3E}">
-        <p14:creationId xmlns:p14="http://schemas.microsoft.com/office/powerpoint/2010/main" val="1119420998"/>
+        <p14:creationId xmlns:p14="http://schemas.microsoft.com/office/powerpoint/2010/main" val="2095258505"/>
       </p:ext>
     </p:extLst>
   </p:cSld>
